--- a/covid-19 outbreak.pptx
+++ b/covid-19 outbreak.pptx
@@ -262,7 +262,7 @@
             <a:fld id="{1D8BD707-D9CF-40AE-B4C6-C98DA3205C09}" type="datetimeFigureOut">
               <a:rPr lang="en-US"/>
               <a:pPr/>
-              <a:t>3/29/2024</a:t>
+              <a:t>4/2/2024</a:t>
             </a:fld>
             <a:endParaRPr lang="en-US"/>
           </a:p>
@@ -451,7 +451,7 @@
             <a:fld id="{1D8BD707-D9CF-40AE-B4C6-C98DA3205C09}" type="datetimeFigureOut">
               <a:rPr lang="en-US"/>
               <a:pPr/>
-              <a:t>3/29/2024</a:t>
+              <a:t>4/2/2024</a:t>
             </a:fld>
             <a:endParaRPr lang="en-US"/>
           </a:p>
@@ -683,7 +683,7 @@
             <a:fld id="{1D8BD707-D9CF-40AE-B4C6-C98DA3205C09}" type="datetimeFigureOut">
               <a:rPr lang="en-US"/>
               <a:pPr/>
-              <a:t>3/29/2024</a:t>
+              <a:t>4/2/2024</a:t>
             </a:fld>
             <a:endParaRPr lang="en-US"/>
           </a:p>
@@ -849,7 +849,7 @@
             <a:fld id="{1D8BD707-D9CF-40AE-B4C6-C98DA3205C09}" type="datetimeFigureOut">
               <a:rPr lang="en-US"/>
               <a:pPr/>
-              <a:t>3/29/2024</a:t>
+              <a:t>4/2/2024</a:t>
             </a:fld>
             <a:endParaRPr lang="en-US"/>
           </a:p>
@@ -986,7 +986,7 @@
             <a:fld id="{1D8BD707-D9CF-40AE-B4C6-C98DA3205C09}" type="datetimeFigureOut">
               <a:rPr lang="en-US"/>
               <a:pPr/>
-              <a:t>3/29/2024</a:t>
+              <a:t>4/2/2024</a:t>
             </a:fld>
             <a:endParaRPr lang="en-US"/>
           </a:p>
@@ -1714,7 +1714,7 @@
             <a:fld id="{1D8BD707-D9CF-40AE-B4C6-C98DA3205C09}" type="datetimeFigureOut">
               <a:rPr lang="en-US"/>
               <a:pPr/>
-              <a:t>3/29/2024</a:t>
+              <a:t>4/2/2024</a:t>
             </a:fld>
             <a:endParaRPr lang="en-US"/>
           </a:p>
@@ -3929,14 +3929,14 @@
               </a:spcBef>
             </a:pPr>
             <a:r>
-              <a:rPr sz="4250" spc="5" smtClean="0"/>
+              <a:rPr sz="4250" spc="5" dirty="0" smtClean="0"/>
               <a:t>PR</a:t>
             </a:r>
             <a:r>
               <a:rPr lang="en-US" sz="4250" spc="5" dirty="0" smtClean="0"/>
               <a:t>EDICTIVE MODELING OF DISEASE OUTBEAKS AND EPIDEMOLOGICAL TRENDS WITH SPATIO- TEMPORAL ANALYSIS</a:t>
             </a:r>
-            <a:endParaRPr sz="4250"/>
+            <a:endParaRPr sz="4250" dirty="0"/>
           </a:p>
         </p:txBody>
       </p:sp>
@@ -8844,7 +8844,7 @@
         <p:spPr>
           <a:xfrm>
             <a:off x="533400" y="1143000"/>
-            <a:ext cx="10614025" cy="5355312"/>
+            <a:ext cx="10614025" cy="289823"/>
           </a:xfrm>
           <a:prstGeom prst="rect">
             <a:avLst/>
@@ -8871,317 +8871,6 @@
               </a:rPr>
               <a:t> </a:t>
             </a:r>
-            <a:r>
-              <a:rPr lang="en-US" sz="2000" spc="-5" dirty="0">
-                <a:cs typeface="Calibri" pitchFamily="34" charset="0"/>
-              </a:rPr>
-              <a:t>This modeling encompasses various aspects:</a:t>
-            </a:r>
-          </a:p>
-          <a:p>
-            <a:pPr marL="12700">
-              <a:lnSpc>
-                <a:spcPct val="100000"/>
-              </a:lnSpc>
-              <a:spcBef>
-                <a:spcPts val="100"/>
-              </a:spcBef>
-            </a:pPr>
-            <a:endParaRPr lang="en-US" sz="2000" spc="-5" dirty="0">
-              <a:cs typeface="Calibri" pitchFamily="34" charset="0"/>
-            </a:endParaRPr>
-          </a:p>
-          <a:p>
-            <a:pPr marL="12700">
-              <a:lnSpc>
-                <a:spcPct val="100000"/>
-              </a:lnSpc>
-              <a:spcBef>
-                <a:spcPts val="100"/>
-              </a:spcBef>
-            </a:pPr>
-            <a:r>
-              <a:rPr lang="en-US" sz="2000" spc="-5" dirty="0">
-                <a:cs typeface="Calibri" pitchFamily="34" charset="0"/>
-              </a:rPr>
-              <a:t>1. </a:t>
-            </a:r>
-            <a:r>
-              <a:rPr lang="en-US" sz="2000" spc="-5" dirty="0" smtClean="0">
-                <a:cs typeface="Calibri" pitchFamily="34" charset="0"/>
-              </a:rPr>
-              <a:t>Data </a:t>
-            </a:r>
-            <a:r>
-              <a:rPr lang="en-US" sz="2000" spc="-5" dirty="0">
-                <a:cs typeface="Calibri" pitchFamily="34" charset="0"/>
-              </a:rPr>
-              <a:t>Collection and </a:t>
-            </a:r>
-            <a:r>
-              <a:rPr lang="en-US" sz="2000" spc="-5" dirty="0" smtClean="0">
-                <a:cs typeface="Calibri" pitchFamily="34" charset="0"/>
-              </a:rPr>
-              <a:t>Preprocessing: </a:t>
-            </a:r>
-            <a:r>
-              <a:rPr lang="en-US" sz="2000" spc="-5" dirty="0">
-                <a:cs typeface="Calibri" pitchFamily="34" charset="0"/>
-              </a:rPr>
-              <a:t>Gathering diverse datasets related to COVID-19, including case counts, demographic information, mobility data, environmental factors, and intervention measures. </a:t>
-            </a:r>
-          </a:p>
-          <a:p>
-            <a:pPr marL="12700">
-              <a:lnSpc>
-                <a:spcPct val="100000"/>
-              </a:lnSpc>
-              <a:spcBef>
-                <a:spcPts val="100"/>
-              </a:spcBef>
-            </a:pPr>
-            <a:endParaRPr lang="en-US" sz="2000" spc="-5" dirty="0">
-              <a:cs typeface="Calibri" pitchFamily="34" charset="0"/>
-            </a:endParaRPr>
-          </a:p>
-          <a:p>
-            <a:pPr marL="12700">
-              <a:lnSpc>
-                <a:spcPct val="100000"/>
-              </a:lnSpc>
-              <a:spcBef>
-                <a:spcPts val="100"/>
-              </a:spcBef>
-            </a:pPr>
-            <a:r>
-              <a:rPr lang="en-US" sz="2000" spc="-5" dirty="0">
-                <a:cs typeface="Calibri" pitchFamily="34" charset="0"/>
-              </a:rPr>
-              <a:t>2. </a:t>
-            </a:r>
-            <a:r>
-              <a:rPr lang="en-US" sz="2000" spc="-5" dirty="0" err="1" smtClean="0">
-                <a:cs typeface="Calibri" pitchFamily="34" charset="0"/>
-              </a:rPr>
-              <a:t>Spatio</a:t>
-            </a:r>
-            <a:r>
-              <a:rPr lang="en-US" sz="2000" spc="-5" dirty="0" smtClean="0">
-                <a:cs typeface="Calibri" pitchFamily="34" charset="0"/>
-              </a:rPr>
-              <a:t>-Temporal Analysis: </a:t>
-            </a:r>
-            <a:r>
-              <a:rPr lang="en-US" sz="2000" spc="-5" dirty="0">
-                <a:cs typeface="Calibri" pitchFamily="34" charset="0"/>
-              </a:rPr>
-              <a:t>Utilizing spatial analysis techniques to examine geographical patterns of COVID-19 transmission and temporal analysis methods to analyze trends over time</a:t>
-            </a:r>
-            <a:r>
-              <a:rPr lang="en-US" sz="2000" spc="-5" dirty="0" smtClean="0">
-                <a:cs typeface="Calibri" pitchFamily="34" charset="0"/>
-              </a:rPr>
-              <a:t>.</a:t>
-            </a:r>
-            <a:endParaRPr lang="en-US" sz="2000" spc="-5" dirty="0">
-              <a:cs typeface="Calibri" pitchFamily="34" charset="0"/>
-            </a:endParaRPr>
-          </a:p>
-          <a:p>
-            <a:pPr marL="12700">
-              <a:lnSpc>
-                <a:spcPct val="100000"/>
-              </a:lnSpc>
-              <a:spcBef>
-                <a:spcPts val="100"/>
-              </a:spcBef>
-            </a:pPr>
-            <a:endParaRPr lang="en-US" sz="2000" spc="-5" dirty="0">
-              <a:cs typeface="Calibri" pitchFamily="34" charset="0"/>
-            </a:endParaRPr>
-          </a:p>
-          <a:p>
-            <a:pPr marL="12700">
-              <a:lnSpc>
-                <a:spcPct val="100000"/>
-              </a:lnSpc>
-              <a:spcBef>
-                <a:spcPts val="100"/>
-              </a:spcBef>
-            </a:pPr>
-            <a:r>
-              <a:rPr lang="en-US" sz="2000" spc="-5" dirty="0">
-                <a:cs typeface="Calibri" pitchFamily="34" charset="0"/>
-              </a:rPr>
-              <a:t>3. </a:t>
-            </a:r>
-            <a:r>
-              <a:rPr lang="en-US" sz="2000" spc="-5" dirty="0" smtClean="0">
-                <a:cs typeface="Calibri" pitchFamily="34" charset="0"/>
-              </a:rPr>
-              <a:t>Model Development: </a:t>
-            </a:r>
-            <a:r>
-              <a:rPr lang="en-US" sz="2000" spc="-5" dirty="0">
-                <a:cs typeface="Calibri" pitchFamily="34" charset="0"/>
-              </a:rPr>
-              <a:t>Building predictive models that capture the complex interplay of </a:t>
-            </a:r>
-            <a:r>
-              <a:rPr lang="en-US" sz="2000" spc="-5" dirty="0" err="1">
-                <a:cs typeface="Calibri" pitchFamily="34" charset="0"/>
-              </a:rPr>
-              <a:t>spatio</a:t>
-            </a:r>
-            <a:r>
-              <a:rPr lang="en-US" sz="2000" spc="-5" dirty="0">
-                <a:cs typeface="Calibri" pitchFamily="34" charset="0"/>
-              </a:rPr>
-              <a:t>-temporal factors influencing disease transmission dynamics</a:t>
-            </a:r>
-            <a:r>
-              <a:rPr lang="en-US" sz="2000" spc="-5" dirty="0" smtClean="0">
-                <a:cs typeface="Calibri" pitchFamily="34" charset="0"/>
-              </a:rPr>
-              <a:t>.</a:t>
-            </a:r>
-            <a:endParaRPr lang="en-US" sz="2000" spc="-5" dirty="0">
-              <a:cs typeface="Calibri" pitchFamily="34" charset="0"/>
-            </a:endParaRPr>
-          </a:p>
-          <a:p>
-            <a:pPr marL="12700">
-              <a:lnSpc>
-                <a:spcPct val="100000"/>
-              </a:lnSpc>
-              <a:spcBef>
-                <a:spcPts val="100"/>
-              </a:spcBef>
-            </a:pPr>
-            <a:endParaRPr lang="en-US" sz="2000" spc="-5" dirty="0">
-              <a:cs typeface="Calibri" pitchFamily="34" charset="0"/>
-            </a:endParaRPr>
-          </a:p>
-          <a:p>
-            <a:pPr marL="12700">
-              <a:lnSpc>
-                <a:spcPct val="100000"/>
-              </a:lnSpc>
-              <a:spcBef>
-                <a:spcPts val="100"/>
-              </a:spcBef>
-            </a:pPr>
-            <a:r>
-              <a:rPr lang="en-US" sz="2000" spc="-5" dirty="0">
-                <a:cs typeface="Calibri" pitchFamily="34" charset="0"/>
-              </a:rPr>
-              <a:t>4. </a:t>
-            </a:r>
-            <a:r>
-              <a:rPr lang="en-US" sz="2000" spc="-5" dirty="0" smtClean="0">
-                <a:cs typeface="Calibri" pitchFamily="34" charset="0"/>
-              </a:rPr>
-              <a:t>Validation </a:t>
-            </a:r>
-            <a:r>
-              <a:rPr lang="en-US" sz="2000" spc="-5" dirty="0">
-                <a:cs typeface="Calibri" pitchFamily="34" charset="0"/>
-              </a:rPr>
-              <a:t>and </a:t>
-            </a:r>
-            <a:r>
-              <a:rPr lang="en-US" sz="2000" spc="-5" dirty="0" smtClean="0">
-                <a:cs typeface="Calibri" pitchFamily="34" charset="0"/>
-              </a:rPr>
-              <a:t>Evaluation: </a:t>
-            </a:r>
-            <a:r>
-              <a:rPr lang="en-US" sz="2000" spc="-5" dirty="0">
-                <a:cs typeface="Calibri" pitchFamily="34" charset="0"/>
-              </a:rPr>
-              <a:t>Assessing the performance of predictive models through validation against observed COVID-19 </a:t>
-            </a:r>
-            <a:r>
-              <a:rPr lang="en-US" sz="2000" spc="-5" dirty="0" smtClean="0">
-                <a:cs typeface="Calibri" pitchFamily="34" charset="0"/>
-              </a:rPr>
-              <a:t>data.</a:t>
-            </a:r>
-            <a:endParaRPr lang="en-US" sz="2000" spc="-5" dirty="0">
-              <a:cs typeface="Calibri" pitchFamily="34" charset="0"/>
-            </a:endParaRPr>
-          </a:p>
-          <a:p>
-            <a:pPr marL="12700">
-              <a:lnSpc>
-                <a:spcPct val="100000"/>
-              </a:lnSpc>
-              <a:spcBef>
-                <a:spcPts val="100"/>
-              </a:spcBef>
-            </a:pPr>
-            <a:endParaRPr lang="en-US" sz="2000" spc="-5" dirty="0">
-              <a:cs typeface="Calibri" pitchFamily="34" charset="0"/>
-            </a:endParaRPr>
-          </a:p>
-          <a:p>
-            <a:pPr marL="12700">
-              <a:lnSpc>
-                <a:spcPct val="100000"/>
-              </a:lnSpc>
-              <a:spcBef>
-                <a:spcPts val="100"/>
-              </a:spcBef>
-            </a:pPr>
-            <a:r>
-              <a:rPr lang="en-US" sz="2000" spc="-5" dirty="0">
-                <a:cs typeface="Calibri" pitchFamily="34" charset="0"/>
-              </a:rPr>
-              <a:t>5. </a:t>
-            </a:r>
-            <a:r>
-              <a:rPr lang="en-US" sz="2000" spc="-5" dirty="0" smtClean="0">
-                <a:cs typeface="Calibri" pitchFamily="34" charset="0"/>
-              </a:rPr>
-              <a:t>Interpretation </a:t>
-            </a:r>
-            <a:r>
-              <a:rPr lang="en-US" sz="2000" spc="-5" dirty="0">
-                <a:cs typeface="Calibri" pitchFamily="34" charset="0"/>
-              </a:rPr>
-              <a:t>and </a:t>
-            </a:r>
-            <a:r>
-              <a:rPr lang="en-US" sz="2000" spc="-5" dirty="0" smtClean="0">
-                <a:cs typeface="Calibri" pitchFamily="34" charset="0"/>
-              </a:rPr>
-              <a:t>Communication: </a:t>
-            </a:r>
-            <a:r>
-              <a:rPr lang="en-US" sz="2000" spc="-5" dirty="0">
-                <a:cs typeface="Calibri" pitchFamily="34" charset="0"/>
-              </a:rPr>
-              <a:t>Interpreting the outputs of predictive models in collaboration with domain experts, public health authorities, and </a:t>
-            </a:r>
-            <a:r>
-              <a:rPr lang="en-US" sz="2000" spc="-5" dirty="0" smtClean="0">
-                <a:cs typeface="Calibri" pitchFamily="34" charset="0"/>
-              </a:rPr>
-              <a:t>policymakers. </a:t>
-            </a:r>
-            <a:endParaRPr lang="en-US" sz="2000" spc="-5" dirty="0">
-              <a:cs typeface="Calibri" pitchFamily="34" charset="0"/>
-            </a:endParaRPr>
-          </a:p>
-          <a:p>
-            <a:pPr marL="12700">
-              <a:lnSpc>
-                <a:spcPct val="100000"/>
-              </a:lnSpc>
-              <a:spcBef>
-                <a:spcPts val="100"/>
-              </a:spcBef>
-            </a:pPr>
             <a:endParaRPr lang="en-US" spc="-5" dirty="0">
               <a:latin typeface="Trebuchet MS"/>
               <a:cs typeface="Trebuchet MS"/>
@@ -9335,6 +9024,36 @@
           </a:p>
         </p:txBody>
       </p:sp>
+      <p:pic>
+        <p:nvPicPr>
+          <p:cNvPr id="11" name="Picture 10"/>
+          <p:cNvPicPr>
+            <a:picLocks noChangeAspect="1"/>
+          </p:cNvPicPr>
+          <p:nvPr/>
+        </p:nvPicPr>
+        <p:blipFill>
+          <a:blip r:embed="rId3">
+            <a:extLst>
+              <a:ext uri="{28A0092B-C50C-407E-A947-70E740481C1C}">
+                <a14:useLocalDpi xmlns:a14="http://schemas.microsoft.com/office/drawing/2010/main" val="0"/>
+              </a:ext>
+            </a:extLst>
+          </a:blip>
+          <a:stretch>
+            <a:fillRect/>
+          </a:stretch>
+        </p:blipFill>
+        <p:spPr>
+          <a:xfrm>
+            <a:off x="752474" y="1154463"/>
+            <a:ext cx="9839325" cy="4721525"/>
+          </a:xfrm>
+          <a:prstGeom prst="rect">
+            <a:avLst/>
+          </a:prstGeom>
+        </p:spPr>
+      </p:pic>
     </p:spTree>
   </p:cSld>
   <p:clrMapOvr>
